--- a/slides/Online/2020/10 - ComplexLogic.pptx
+++ b/slides/Online/2020/10 - ComplexLogic.pptx
@@ -217,7 +217,7 @@
           <a:p>
             <a:fld id="{4D7E51A5-B478-1E40-8CBB-0DAA8831E99D}" type="datetimeFigureOut">
               <a:rPr lang="en-US" smtClean="0"/>
-              <a:t>3/16/20</a:t>
+              <a:t>4/10/20</a:t>
             </a:fld>
             <a:endParaRPr lang="en-US"/>
           </a:p>
@@ -382,7 +382,7 @@
           <a:p>
             <a:fld id="{D0ED587F-861E-6740-9643-E3DDAE89B8D6}" type="datetimeFigureOut">
               <a:rPr lang="en-US" smtClean="0"/>
-              <a:t>3/16/20</a:t>
+              <a:t>4/10/20</a:t>
             </a:fld>
             <a:endParaRPr lang="en-US"/>
           </a:p>
@@ -4275,8 +4275,8 @@
         </p:blipFill>
         <p:spPr>
           <a:xfrm>
-            <a:off x="9827882" y="6733969"/>
-            <a:ext cx="3520440" cy="787424"/>
+            <a:off x="10377557" y="6747531"/>
+            <a:ext cx="3265208" cy="730336"/>
           </a:xfrm>
           <a:prstGeom prst="rect">
             <a:avLst/>
@@ -4297,7 +4297,7 @@
         </p:nvSpPr>
         <p:spPr>
           <a:xfrm>
-            <a:off x="10549054" y="7264322"/>
+            <a:off x="11006254" y="7182923"/>
             <a:ext cx="2497873" cy="276999"/>
           </a:xfrm>
           <a:prstGeom prst="rect">
@@ -4336,8 +4336,8 @@
         </p:nvSpPr>
         <p:spPr>
           <a:xfrm>
-            <a:off x="9287446" y="7508206"/>
-            <a:ext cx="4601311" cy="246221"/>
+            <a:off x="10450162" y="7477866"/>
+            <a:ext cx="3367438" cy="215444"/>
           </a:xfrm>
           <a:prstGeom prst="rect">
             <a:avLst/>
@@ -4358,7 +4358,7 @@
               </a:spcAft>
             </a:pPr>
             <a:r>
-              <a:rPr lang="en-US" sz="1000" b="0" i="0" u="none" strike="noStrike" dirty="0">
+              <a:rPr lang="en-US" sz="800" b="0" i="0" u="none" strike="noStrike" dirty="0">
                 <a:solidFill>
                   <a:srgbClr val="7F7F7F"/>
                 </a:solidFill>
@@ -4368,7 +4368,7 @@
               <a:t>Slides Originally Created by Albert Lionelle (</a:t>
             </a:r>
             <a:r>
-              <a:rPr lang="en-US" sz="1000" b="0" i="0" u="none" strike="noStrike" dirty="0" err="1">
+              <a:rPr lang="en-US" sz="800" b="0" i="0" u="none" strike="noStrike" dirty="0" err="1">
                 <a:solidFill>
                   <a:srgbClr val="7F7F7F"/>
                 </a:solidFill>
@@ -4378,7 +4378,7 @@
               <a:t>Albert.Lionelle@colostate.edu</a:t>
             </a:r>
             <a:r>
-              <a:rPr lang="en-US" sz="1000" b="0" i="0" u="none" strike="noStrike" dirty="0">
+              <a:rPr lang="en-US" sz="800" b="0" i="0" u="none" strike="noStrike" dirty="0">
                 <a:solidFill>
                   <a:srgbClr val="7F7F7F"/>
                 </a:solidFill>
@@ -4387,7 +4387,7 @@
               </a:rPr>
               <a:t>)</a:t>
             </a:r>
-            <a:endParaRPr lang="en-US" sz="1000" b="0" dirty="0">
+            <a:endParaRPr lang="en-US" sz="800" b="0" dirty="0">
               <a:solidFill>
                 <a:srgbClr val="7F7F7F"/>
               </a:solidFill>
@@ -6875,8 +6875,8 @@
         </p:nvSpPr>
         <p:spPr>
           <a:xfrm>
-            <a:off x="7473246" y="4557732"/>
-            <a:ext cx="5858932" cy="2246769"/>
+            <a:off x="7473246" y="3376632"/>
+            <a:ext cx="5858932" cy="2031325"/>
           </a:xfrm>
           <a:prstGeom prst="rect">
             <a:avLst/>
@@ -6949,12 +6949,6 @@
               </a:rPr>
               <a:t> &gt; 5;</a:t>
             </a:r>
-          </a:p>
-          <a:p>
-            <a:endParaRPr lang="en-US" sz="1400" dirty="0">
-              <a:latin typeface="Consolas" panose="020B0609020204030204" pitchFamily="49" charset="0"/>
-              <a:cs typeface="Consolas" panose="020B0609020204030204" pitchFamily="49" charset="0"/>
-            </a:endParaRPr>
           </a:p>
           <a:p>
             <a:r>
@@ -7091,8 +7085,8 @@
         </p:nvSpPr>
         <p:spPr>
           <a:xfrm>
-            <a:off x="7473246" y="2093212"/>
-            <a:ext cx="5858932" cy="2031325"/>
+            <a:off x="7473246" y="1463722"/>
+            <a:ext cx="5858932" cy="1815882"/>
           </a:xfrm>
           <a:prstGeom prst="rect">
             <a:avLst/>
@@ -7130,12 +7124,6 @@
             </a:r>
           </a:p>
           <a:p>
-            <a:endParaRPr lang="en-US" sz="1400" dirty="0">
-              <a:latin typeface="Consolas" panose="020B0609020204030204" pitchFamily="49" charset="0"/>
-              <a:cs typeface="Consolas" panose="020B0609020204030204" pitchFamily="49" charset="0"/>
-            </a:endParaRPr>
-          </a:p>
-          <a:p>
             <a:r>
               <a:rPr lang="en-US" sz="1400" dirty="0">
                 <a:latin typeface="Consolas" panose="020B0609020204030204" pitchFamily="49" charset="0"/>
@@ -7256,6 +7244,50 @@
           </a:p>
         </p:txBody>
       </p:sp>
+      <p:cxnSp>
+        <p:nvCxnSpPr>
+          <p:cNvPr id="3" name="Straight Arrow Connector 2">
+            <a:extLst>
+              <a:ext uri="{FF2B5EF4-FFF2-40B4-BE49-F238E27FC236}">
+                <a16:creationId xmlns:a16="http://schemas.microsoft.com/office/drawing/2014/main" id="{185A84FC-F31C-724C-A61D-CDB0D4498A5D}"/>
+              </a:ext>
+            </a:extLst>
+          </p:cNvPr>
+          <p:cNvCxnSpPr>
+            <a:cxnSpLocks/>
+          </p:cNvCxnSpPr>
+          <p:nvPr/>
+        </p:nvCxnSpPr>
+        <p:spPr>
+          <a:xfrm flipH="1">
+            <a:off x="11243658" y="3769762"/>
+            <a:ext cx="1027288" cy="0"/>
+          </a:xfrm>
+          <a:prstGeom prst="straightConnector1">
+            <a:avLst/>
+          </a:prstGeom>
+          <a:ln>
+            <a:solidFill>
+              <a:schemeClr val="accent4"/>
+            </a:solidFill>
+            <a:tailEnd type="triangle"/>
+          </a:ln>
+        </p:spPr>
+        <p:style>
+          <a:lnRef idx="2">
+            <a:schemeClr val="accent1"/>
+          </a:lnRef>
+          <a:fillRef idx="0">
+            <a:schemeClr val="accent1"/>
+          </a:fillRef>
+          <a:effectRef idx="1">
+            <a:schemeClr val="accent1"/>
+          </a:effectRef>
+          <a:fontRef idx="minor">
+            <a:schemeClr val="tx1"/>
+          </a:fontRef>
+        </p:style>
+      </p:cxnSp>
     </p:spTree>
     <p:extLst>
       <p:ext uri="{BB962C8B-B14F-4D97-AF65-F5344CB8AC3E}">
@@ -7392,6 +7424,105 @@
                       </p:childTnLst>
                     </p:cTn>
                   </p:par>
+                  <p:par>
+                    <p:cTn id="13" fill="hold">
+                      <p:stCondLst>
+                        <p:cond delay="indefinite"/>
+                      </p:stCondLst>
+                      <p:childTnLst>
+                        <p:par>
+                          <p:cTn id="14" fill="hold">
+                            <p:stCondLst>
+                              <p:cond delay="0"/>
+                            </p:stCondLst>
+                            <p:childTnLst>
+                              <p:par>
+                                <p:cTn id="15" presetID="53" presetClass="entr" presetSubtype="16" fill="hold" nodeType="clickEffect">
+                                  <p:stCondLst>
+                                    <p:cond delay="0"/>
+                                  </p:stCondLst>
+                                  <p:childTnLst>
+                                    <p:set>
+                                      <p:cBhvr>
+                                        <p:cTn id="16" dur="1" fill="hold">
+                                          <p:stCondLst>
+                                            <p:cond delay="0"/>
+                                          </p:stCondLst>
+                                        </p:cTn>
+                                        <p:tgtEl>
+                                          <p:spTgt spid="3"/>
+                                        </p:tgtEl>
+                                        <p:attrNameLst>
+                                          <p:attrName>style.visibility</p:attrName>
+                                        </p:attrNameLst>
+                                      </p:cBhvr>
+                                      <p:to>
+                                        <p:strVal val="visible"/>
+                                      </p:to>
+                                    </p:set>
+                                    <p:anim calcmode="lin" valueType="num">
+                                      <p:cBhvr>
+                                        <p:cTn id="17" dur="500" fill="hold"/>
+                                        <p:tgtEl>
+                                          <p:spTgt spid="3"/>
+                                        </p:tgtEl>
+                                        <p:attrNameLst>
+                                          <p:attrName>ppt_w</p:attrName>
+                                        </p:attrNameLst>
+                                      </p:cBhvr>
+                                      <p:tavLst>
+                                        <p:tav tm="0">
+                                          <p:val>
+                                            <p:fltVal val="0"/>
+                                          </p:val>
+                                        </p:tav>
+                                        <p:tav tm="100000">
+                                          <p:val>
+                                            <p:strVal val="#ppt_w"/>
+                                          </p:val>
+                                        </p:tav>
+                                      </p:tavLst>
+                                    </p:anim>
+                                    <p:anim calcmode="lin" valueType="num">
+                                      <p:cBhvr>
+                                        <p:cTn id="18" dur="500" fill="hold"/>
+                                        <p:tgtEl>
+                                          <p:spTgt spid="3"/>
+                                        </p:tgtEl>
+                                        <p:attrNameLst>
+                                          <p:attrName>ppt_h</p:attrName>
+                                        </p:attrNameLst>
+                                      </p:cBhvr>
+                                      <p:tavLst>
+                                        <p:tav tm="0">
+                                          <p:val>
+                                            <p:fltVal val="0"/>
+                                          </p:val>
+                                        </p:tav>
+                                        <p:tav tm="100000">
+                                          <p:val>
+                                            <p:strVal val="#ppt_h"/>
+                                          </p:val>
+                                        </p:tav>
+                                      </p:tavLst>
+                                    </p:anim>
+                                    <p:animEffect transition="in" filter="fade">
+                                      <p:cBhvr>
+                                        <p:cTn id="19" dur="500"/>
+                                        <p:tgtEl>
+                                          <p:spTgt spid="3"/>
+                                        </p:tgtEl>
+                                      </p:cBhvr>
+                                    </p:animEffect>
+                                  </p:childTnLst>
+                                </p:cTn>
+                              </p:par>
+                            </p:childTnLst>
+                          </p:cTn>
+                        </p:par>
+                      </p:childTnLst>
+                    </p:cTn>
+                  </p:par>
                 </p:childTnLst>
               </p:cTn>
               <p:prevCondLst>
@@ -7484,7 +7615,7 @@
         </p:nvSpPr>
         <p:spPr>
           <a:xfrm>
-            <a:off x="7581900" y="1718099"/>
+            <a:off x="7581900" y="1372229"/>
             <a:ext cx="5854700" cy="1807098"/>
           </a:xfrm>
           <a:solidFill>
@@ -7895,7 +8026,7 @@
         </p:nvSpPr>
         <p:spPr>
           <a:xfrm>
-            <a:off x="7581900" y="3621792"/>
+            <a:off x="7581900" y="3349728"/>
             <a:ext cx="5854700" cy="1807098"/>
           </a:xfrm>
           <a:prstGeom prst="rect">
@@ -8182,307 +8313,6 @@
       </p:sp>
       <p:sp>
         <p:nvSpPr>
-          <p:cNvPr id="6" name="Text Placeholder 2">
-            <a:extLst>
-              <a:ext uri="{FF2B5EF4-FFF2-40B4-BE49-F238E27FC236}">
-                <a16:creationId xmlns:a16="http://schemas.microsoft.com/office/drawing/2014/main" id="{7DD10FB8-A948-4F40-8C07-62F893E09551}"/>
-              </a:ext>
-            </a:extLst>
-          </p:cNvPr>
-          <p:cNvSpPr txBox="1">
-            <a:spLocks/>
-          </p:cNvSpPr>
-          <p:nvPr/>
-        </p:nvSpPr>
-        <p:spPr>
-          <a:xfrm>
-            <a:off x="7581900" y="5525485"/>
-            <a:ext cx="5854700" cy="1807098"/>
-          </a:xfrm>
-          <a:prstGeom prst="rect">
-            <a:avLst/>
-          </a:prstGeom>
-          <a:solidFill>
-            <a:schemeClr val="bg2"/>
-          </a:solidFill>
-        </p:spPr>
-        <p:txBody>
-          <a:bodyPr vert="horz" lIns="91440" tIns="91440" rIns="91440" bIns="91440" rtlCol="0">
-            <a:spAutoFit/>
-          </a:bodyPr>
-          <a:lstStyle>
-            <a:lvl1pPr marL="524712" indent="-524712" algn="l" defTabSz="699614" rtl="0" eaLnBrk="1" latinLnBrk="0" hangingPunct="1">
-              <a:lnSpc>
-                <a:spcPct val="120000"/>
-              </a:lnSpc>
-              <a:spcBef>
-                <a:spcPts val="600"/>
-              </a:spcBef>
-              <a:spcAft>
-                <a:spcPts val="600"/>
-              </a:spcAft>
-              <a:buFont typeface="Arial"/>
-              <a:buChar char="•"/>
-              <a:defRPr sz="1800" b="0" i="0" kern="1200">
-                <a:solidFill>
-                  <a:srgbClr val="092529"/>
-                </a:solidFill>
-                <a:latin typeface="Proxima Nova" charset="0"/>
-                <a:ea typeface="Proxima Nova" charset="0"/>
-                <a:cs typeface="Proxima Nova" charset="0"/>
-              </a:defRPr>
-            </a:lvl1pPr>
-            <a:lvl2pPr marL="1136875" indent="-437261" algn="l" defTabSz="699614" rtl="0" eaLnBrk="1" latinLnBrk="0" hangingPunct="1">
-              <a:lnSpc>
-                <a:spcPct val="120000"/>
-              </a:lnSpc>
-              <a:spcBef>
-                <a:spcPts val="0"/>
-              </a:spcBef>
-              <a:spcAft>
-                <a:spcPts val="600"/>
-              </a:spcAft>
-              <a:buFont typeface="Arial"/>
-              <a:buChar char="–"/>
-              <a:defRPr sz="1600" b="0" i="0" kern="1200">
-                <a:solidFill>
-                  <a:srgbClr val="092529"/>
-                </a:solidFill>
-                <a:latin typeface="Proxima Nova" charset="0"/>
-                <a:ea typeface="Proxima Nova" charset="0"/>
-                <a:cs typeface="Proxima Nova" charset="0"/>
-              </a:defRPr>
-            </a:lvl2pPr>
-            <a:lvl3pPr marL="1749040" indent="-349807" algn="l" defTabSz="699614" rtl="0" eaLnBrk="1" latinLnBrk="0" hangingPunct="1">
-              <a:lnSpc>
-                <a:spcPct val="120000"/>
-              </a:lnSpc>
-              <a:spcBef>
-                <a:spcPts val="0"/>
-              </a:spcBef>
-              <a:spcAft>
-                <a:spcPts val="600"/>
-              </a:spcAft>
-              <a:buFont typeface="Arial"/>
-              <a:buChar char="•"/>
-              <a:defRPr sz="1600" b="0" i="0" kern="1200">
-                <a:solidFill>
-                  <a:srgbClr val="092529"/>
-                </a:solidFill>
-                <a:latin typeface="Proxima Nova" charset="0"/>
-                <a:ea typeface="Proxima Nova" charset="0"/>
-                <a:cs typeface="Proxima Nova" charset="0"/>
-              </a:defRPr>
-            </a:lvl3pPr>
-            <a:lvl4pPr marL="2448655" indent="-349807" algn="l" defTabSz="699614" rtl="0" eaLnBrk="1" latinLnBrk="0" hangingPunct="1">
-              <a:lnSpc>
-                <a:spcPct val="120000"/>
-              </a:lnSpc>
-              <a:spcBef>
-                <a:spcPts val="0"/>
-              </a:spcBef>
-              <a:spcAft>
-                <a:spcPts val="600"/>
-              </a:spcAft>
-              <a:buFont typeface="Arial"/>
-              <a:buChar char="–"/>
-              <a:defRPr sz="1600" b="0" i="0" kern="1200">
-                <a:solidFill>
-                  <a:srgbClr val="092529"/>
-                </a:solidFill>
-                <a:latin typeface="Proxima Nova" charset="0"/>
-                <a:ea typeface="Proxima Nova" charset="0"/>
-                <a:cs typeface="Proxima Nova" charset="0"/>
-              </a:defRPr>
-            </a:lvl4pPr>
-            <a:lvl5pPr marL="3148272" indent="-349807" algn="l" defTabSz="699614" rtl="0" eaLnBrk="1" latinLnBrk="0" hangingPunct="1">
-              <a:spcBef>
-                <a:spcPct val="20000"/>
-              </a:spcBef>
-              <a:buFont typeface="Arial"/>
-              <a:buChar char="»"/>
-              <a:defRPr sz="1648" b="0" kern="1200">
-                <a:solidFill>
-                  <a:srgbClr val="092529"/>
-                </a:solidFill>
-                <a:latin typeface="Franklin Gothic Book" charset="0"/>
-                <a:ea typeface="Franklin Gothic Book" charset="0"/>
-                <a:cs typeface="Franklin Gothic Book" charset="0"/>
-              </a:defRPr>
-            </a:lvl5pPr>
-            <a:lvl6pPr marL="3847888" indent="-349807" algn="l" defTabSz="699614" rtl="0" eaLnBrk="1" latinLnBrk="0" hangingPunct="1">
-              <a:spcBef>
-                <a:spcPct val="20000"/>
-              </a:spcBef>
-              <a:buFont typeface="Arial"/>
-              <a:buChar char="•"/>
-              <a:defRPr sz="3022" kern="1200">
-                <a:solidFill>
-                  <a:schemeClr val="tx1"/>
-                </a:solidFill>
-                <a:latin typeface="+mn-lt"/>
-                <a:ea typeface="+mn-ea"/>
-                <a:cs typeface="+mn-cs"/>
-              </a:defRPr>
-            </a:lvl6pPr>
-            <a:lvl7pPr marL="4547505" indent="-349807" algn="l" defTabSz="699614" rtl="0" eaLnBrk="1" latinLnBrk="0" hangingPunct="1">
-              <a:spcBef>
-                <a:spcPct val="20000"/>
-              </a:spcBef>
-              <a:buFont typeface="Arial"/>
-              <a:buChar char="•"/>
-              <a:defRPr sz="3022" kern="1200">
-                <a:solidFill>
-                  <a:schemeClr val="tx1"/>
-                </a:solidFill>
-                <a:latin typeface="+mn-lt"/>
-                <a:ea typeface="+mn-ea"/>
-                <a:cs typeface="+mn-cs"/>
-              </a:defRPr>
-            </a:lvl7pPr>
-            <a:lvl8pPr marL="5247119" indent="-349807" algn="l" defTabSz="699614" rtl="0" eaLnBrk="1" latinLnBrk="0" hangingPunct="1">
-              <a:spcBef>
-                <a:spcPct val="20000"/>
-              </a:spcBef>
-              <a:buFont typeface="Arial"/>
-              <a:buChar char="•"/>
-              <a:defRPr sz="3022" kern="1200">
-                <a:solidFill>
-                  <a:schemeClr val="tx1"/>
-                </a:solidFill>
-                <a:latin typeface="+mn-lt"/>
-                <a:ea typeface="+mn-ea"/>
-                <a:cs typeface="+mn-cs"/>
-              </a:defRPr>
-            </a:lvl8pPr>
-            <a:lvl9pPr marL="5946736" indent="-349807" algn="l" defTabSz="699614" rtl="0" eaLnBrk="1" latinLnBrk="0" hangingPunct="1">
-              <a:spcBef>
-                <a:spcPct val="20000"/>
-              </a:spcBef>
-              <a:buFont typeface="Arial"/>
-              <a:buChar char="•"/>
-              <a:defRPr sz="3022" kern="1200">
-                <a:solidFill>
-                  <a:schemeClr val="tx1"/>
-                </a:solidFill>
-                <a:latin typeface="+mn-lt"/>
-                <a:ea typeface="+mn-ea"/>
-                <a:cs typeface="+mn-cs"/>
-              </a:defRPr>
-            </a:lvl9pPr>
-          </a:lstStyle>
-          <a:p>
-            <a:pPr marL="0" indent="0">
-              <a:buFont typeface="Arial"/>
-              <a:buNone/>
-            </a:pPr>
-            <a:r>
-              <a:rPr lang="en-US" sz="1600" dirty="0">
-                <a:latin typeface="Consolas" panose="020B0609020204030204" pitchFamily="49" charset="0"/>
-                <a:cs typeface="Consolas" panose="020B0609020204030204" pitchFamily="49" charset="0"/>
-              </a:rPr>
-              <a:t>String </a:t>
-            </a:r>
-            <a:r>
-              <a:rPr lang="en-US" sz="1600" dirty="0" err="1">
-                <a:latin typeface="Consolas" panose="020B0609020204030204" pitchFamily="49" charset="0"/>
-                <a:cs typeface="Consolas" panose="020B0609020204030204" pitchFamily="49" charset="0"/>
-              </a:rPr>
-              <a:t>cmd</a:t>
-            </a:r>
-            <a:r>
-              <a:rPr lang="en-US" sz="1600" dirty="0">
-                <a:latin typeface="Consolas" panose="020B0609020204030204" pitchFamily="49" charset="0"/>
-                <a:cs typeface="Consolas" panose="020B0609020204030204" pitchFamily="49" charset="0"/>
-              </a:rPr>
-              <a:t>; //nothing assigned!</a:t>
-            </a:r>
-          </a:p>
-          <a:p>
-            <a:pPr marL="0" indent="0">
-              <a:buFont typeface="Arial"/>
-              <a:buNone/>
-            </a:pPr>
-            <a:r>
-              <a:rPr lang="en-US" sz="1600" dirty="0">
-                <a:latin typeface="Consolas" panose="020B0609020204030204" pitchFamily="49" charset="0"/>
-                <a:cs typeface="Consolas" panose="020B0609020204030204" pitchFamily="49" charset="0"/>
-              </a:rPr>
-              <a:t>if(</a:t>
-            </a:r>
-            <a:r>
-              <a:rPr lang="en-US" sz="1600" dirty="0" err="1">
-                <a:latin typeface="Consolas" panose="020B0609020204030204" pitchFamily="49" charset="0"/>
-                <a:cs typeface="Consolas" panose="020B0609020204030204" pitchFamily="49" charset="0"/>
-              </a:rPr>
-              <a:t>cmd</a:t>
-            </a:r>
-            <a:r>
-              <a:rPr lang="en-US" sz="1600" dirty="0">
-                <a:latin typeface="Consolas" panose="020B0609020204030204" pitchFamily="49" charset="0"/>
-                <a:cs typeface="Consolas" panose="020B0609020204030204" pitchFamily="49" charset="0"/>
-              </a:rPr>
-              <a:t> != null &amp;&amp; </a:t>
-            </a:r>
-            <a:r>
-              <a:rPr lang="en-US" sz="1600" dirty="0" err="1">
-                <a:latin typeface="Consolas" panose="020B0609020204030204" pitchFamily="49" charset="0"/>
-                <a:cs typeface="Consolas" panose="020B0609020204030204" pitchFamily="49" charset="0"/>
-              </a:rPr>
-              <a:t>cmd.contains</a:t>
-            </a:r>
-            <a:r>
-              <a:rPr lang="en-US" sz="1600" dirty="0">
-                <a:latin typeface="Consolas" panose="020B0609020204030204" pitchFamily="49" charset="0"/>
-                <a:cs typeface="Consolas" panose="020B0609020204030204" pitchFamily="49" charset="0"/>
-              </a:rPr>
-              <a:t>(“x”)) {</a:t>
-            </a:r>
-          </a:p>
-          <a:p>
-            <a:pPr marL="0" indent="0">
-              <a:buFont typeface="Arial"/>
-              <a:buNone/>
-            </a:pPr>
-            <a:r>
-              <a:rPr lang="en-US" sz="1600" dirty="0">
-                <a:latin typeface="Consolas" panose="020B0609020204030204" pitchFamily="49" charset="0"/>
-                <a:cs typeface="Consolas" panose="020B0609020204030204" pitchFamily="49" charset="0"/>
-              </a:rPr>
-              <a:t>	</a:t>
-            </a:r>
-            <a:r>
-              <a:rPr lang="en-US" sz="1600" dirty="0" err="1">
-                <a:latin typeface="Consolas" panose="020B0609020204030204" pitchFamily="49" charset="0"/>
-                <a:cs typeface="Consolas" panose="020B0609020204030204" pitchFamily="49" charset="0"/>
-              </a:rPr>
-              <a:t>System.out.println</a:t>
-            </a:r>
-            <a:r>
-              <a:rPr lang="en-US" sz="1600" dirty="0">
-                <a:latin typeface="Consolas" panose="020B0609020204030204" pitchFamily="49" charset="0"/>
-                <a:cs typeface="Consolas" panose="020B0609020204030204" pitchFamily="49" charset="0"/>
-              </a:rPr>
-              <a:t>(“Goodbye”);</a:t>
-            </a:r>
-          </a:p>
-          <a:p>
-            <a:pPr marL="0" indent="0">
-              <a:buFont typeface="Arial"/>
-              <a:buNone/>
-            </a:pPr>
-            <a:r>
-              <a:rPr lang="en-US" sz="1600" dirty="0">
-                <a:latin typeface="Consolas" panose="020B0609020204030204" pitchFamily="49" charset="0"/>
-                <a:cs typeface="Consolas" panose="020B0609020204030204" pitchFamily="49" charset="0"/>
-              </a:rPr>
-              <a:t>}</a:t>
-            </a:r>
-          </a:p>
-        </p:txBody>
-      </p:sp>
-      <p:sp>
-        <p:nvSpPr>
           <p:cNvPr id="7" name="Rectangle 6">
             <a:extLst>
               <a:ext uri="{FF2B5EF4-FFF2-40B4-BE49-F238E27FC236}">
@@ -8495,7 +8325,7 @@
         </p:nvSpPr>
         <p:spPr>
           <a:xfrm>
-            <a:off x="9779000" y="3087834"/>
+            <a:off x="9779000" y="2791796"/>
             <a:ext cx="3524828" cy="342900"/>
           </a:xfrm>
           <a:prstGeom prst="rect">
@@ -8553,7 +8383,7 @@
         </p:nvSpPr>
         <p:spPr>
           <a:xfrm>
-            <a:off x="9779000" y="4985376"/>
+            <a:off x="9779000" y="4751052"/>
             <a:ext cx="3524828" cy="342900"/>
           </a:xfrm>
           <a:prstGeom prst="rect">
@@ -8593,64 +8423,6 @@
                 <a:cs typeface="Proxima Nova" charset="0"/>
               </a:rPr>
               <a:t>|| example</a:t>
-            </a:r>
-          </a:p>
-        </p:txBody>
-      </p:sp>
-      <p:sp>
-        <p:nvSpPr>
-          <p:cNvPr id="9" name="Rectangle 8">
-            <a:extLst>
-              <a:ext uri="{FF2B5EF4-FFF2-40B4-BE49-F238E27FC236}">
-                <a16:creationId xmlns:a16="http://schemas.microsoft.com/office/drawing/2014/main" id="{C36CE99A-EB62-0040-9B5B-C34CCD8903F2}"/>
-              </a:ext>
-            </a:extLst>
-          </p:cNvPr>
-          <p:cNvSpPr/>
-          <p:nvPr/>
-        </p:nvSpPr>
-        <p:spPr>
-          <a:xfrm>
-            <a:off x="9779000" y="6908800"/>
-            <a:ext cx="3524828" cy="342900"/>
-          </a:xfrm>
-          <a:prstGeom prst="rect">
-            <a:avLst/>
-          </a:prstGeom>
-          <a:solidFill>
-            <a:schemeClr val="tx2"/>
-          </a:solidFill>
-          <a:ln>
-            <a:noFill/>
-          </a:ln>
-          <a:effectLst/>
-        </p:spPr>
-        <p:style>
-          <a:lnRef idx="1">
-            <a:schemeClr val="accent1"/>
-          </a:lnRef>
-          <a:fillRef idx="3">
-            <a:schemeClr val="accent1"/>
-          </a:fillRef>
-          <a:effectRef idx="2">
-            <a:schemeClr val="accent1"/>
-          </a:effectRef>
-          <a:fontRef idx="minor">
-            <a:schemeClr val="lt1"/>
-          </a:fontRef>
-        </p:style>
-        <p:txBody>
-          <a:bodyPr lIns="274320" tIns="182880" rIns="274320" bIns="182880" rtlCol="0" anchor="ctr"/>
-          <a:lstStyle/>
-          <a:p>
-            <a:pPr algn="ctr"/>
-            <a:r>
-              <a:rPr lang="en-US" dirty="0">
-                <a:latin typeface="Proxima Nova" charset="0"/>
-                <a:ea typeface="Proxima Nova" charset="0"/>
-                <a:cs typeface="Proxima Nova" charset="0"/>
-              </a:rPr>
-              <a:t>Short Circuiting example</a:t>
             </a:r>
           </a:p>
         </p:txBody>
@@ -8861,94 +8633,6 @@
                       </p:childTnLst>
                     </p:cTn>
                   </p:par>
-                  <p:par>
-                    <p:cTn id="19" fill="hold">
-                      <p:stCondLst>
-                        <p:cond delay="indefinite"/>
-                      </p:stCondLst>
-                      <p:childTnLst>
-                        <p:par>
-                          <p:cTn id="20" fill="hold">
-                            <p:stCondLst>
-                              <p:cond delay="0"/>
-                            </p:stCondLst>
-                            <p:childTnLst>
-                              <p:par>
-                                <p:cTn id="21" presetID="9" presetClass="entr" presetSubtype="0" fill="hold" grpId="0" nodeType="clickEffect">
-                                  <p:stCondLst>
-                                    <p:cond delay="0"/>
-                                  </p:stCondLst>
-                                  <p:childTnLst>
-                                    <p:set>
-                                      <p:cBhvr>
-                                        <p:cTn id="22" dur="1" fill="hold">
-                                          <p:stCondLst>
-                                            <p:cond delay="0"/>
-                                          </p:stCondLst>
-                                        </p:cTn>
-                                        <p:tgtEl>
-                                          <p:spTgt spid="6"/>
-                                        </p:tgtEl>
-                                        <p:attrNameLst>
-                                          <p:attrName>style.visibility</p:attrName>
-                                        </p:attrNameLst>
-                                      </p:cBhvr>
-                                      <p:to>
-                                        <p:strVal val="visible"/>
-                                      </p:to>
-                                    </p:set>
-                                    <p:animEffect transition="in" filter="dissolve">
-                                      <p:cBhvr>
-                                        <p:cTn id="23" dur="500"/>
-                                        <p:tgtEl>
-                                          <p:spTgt spid="6"/>
-                                        </p:tgtEl>
-                                      </p:cBhvr>
-                                    </p:animEffect>
-                                  </p:childTnLst>
-                                </p:cTn>
-                              </p:par>
-                              <p:par>
-                                <p:cTn id="24" presetID="9" presetClass="entr" presetSubtype="0" fill="hold" grpId="0" nodeType="withEffect">
-                                  <p:stCondLst>
-                                    <p:cond delay="0"/>
-                                  </p:stCondLst>
-                                  <p:childTnLst>
-                                    <p:set>
-                                      <p:cBhvr>
-                                        <p:cTn id="25" dur="1" fill="hold">
-                                          <p:stCondLst>
-                                            <p:cond delay="0"/>
-                                          </p:stCondLst>
-                                        </p:cTn>
-                                        <p:tgtEl>
-                                          <p:spTgt spid="9"/>
-                                        </p:tgtEl>
-                                        <p:attrNameLst>
-                                          <p:attrName>style.visibility</p:attrName>
-                                        </p:attrNameLst>
-                                      </p:cBhvr>
-                                      <p:to>
-                                        <p:strVal val="visible"/>
-                                      </p:to>
-                                    </p:set>
-                                    <p:animEffect transition="in" filter="dissolve">
-                                      <p:cBhvr>
-                                        <p:cTn id="26" dur="500"/>
-                                        <p:tgtEl>
-                                          <p:spTgt spid="9"/>
-                                        </p:tgtEl>
-                                      </p:cBhvr>
-                                    </p:animEffect>
-                                  </p:childTnLst>
-                                </p:cTn>
-                              </p:par>
-                            </p:childTnLst>
-                          </p:cTn>
-                        </p:par>
-                      </p:childTnLst>
-                    </p:cTn>
-                  </p:par>
                 </p:childTnLst>
               </p:cTn>
               <p:prevCondLst>
@@ -8973,10 +8657,8 @@
     <p:bldLst>
       <p:bldP spid="3" grpId="0" animBg="1"/>
       <p:bldP spid="5" grpId="0" animBg="1"/>
-      <p:bldP spid="6" grpId="0" animBg="1"/>
       <p:bldP spid="7" grpId="0" animBg="1"/>
       <p:bldP spid="8" grpId="0" animBg="1"/>
-      <p:bldP spid="9" grpId="0" animBg="1"/>
     </p:bldLst>
   </p:timing>
 </p:sld>
